--- a/results/images/predicted_categories_attendance.pptx
+++ b/results/images/predicted_categories_attendance.pptx
@@ -134,10 +134,10 @@
           <c:layoutTarget val="inner"/>
           <c:xMode val="edge"/>
           <c:yMode val="edge"/>
-          <c:x val="0.14864658602880421"/>
-          <c:y val="0.1226990082615512"/>
-          <c:w val="0.73863557934012425"/>
-          <c:h val="0.70933359476666646"/>
+          <c:x val="0.16695475148121219"/>
+          <c:y val="0.11620991026479029"/>
+          <c:w val="0.78117884380366009"/>
+          <c:h val="0.69817161804746919"/>
         </c:manualLayout>
       </c:layout>
       <c:barChart>
@@ -211,16 +211,16 @@
                   <c:v>165</c:v>
                 </c:pt>
                 <c:pt idx="2" formatCode="0">
-                  <c:v>410</c:v>
+                  <c:v>411</c:v>
                 </c:pt>
                 <c:pt idx="3" formatCode="0">
-                  <c:v>602</c:v>
+                  <c:v>603</c:v>
                 </c:pt>
                 <c:pt idx="4">
                   <c:v>729</c:v>
                 </c:pt>
                 <c:pt idx="5" formatCode="0">
-                  <c:v>286</c:v>
+                  <c:v>287</c:v>
                 </c:pt>
                 <c:pt idx="6">
                   <c:v>65</c:v>
@@ -230,7 +230,7 @@
           </c:val>
           <c:extLst>
             <c:ext xmlns:c16="http://schemas.microsoft.com/office/drawing/2014/chart" uri="{C3380CC4-5D6E-409C-BE32-E72D297353CC}">
-              <c16:uniqueId val="{00000000-5485-4599-8A41-7EEF5358079B}"/>
+              <c16:uniqueId val="{00000000-AB27-402A-82C3-39FA5AA10CBC}"/>
             </c:ext>
           </c:extLst>
         </c:ser>
@@ -314,25 +314,25 @@
                 <c:formatCode>0</c:formatCode>
                 <c:ptCount val="8"/>
                 <c:pt idx="0">
-                  <c:v>324.42857142857144</c:v>
+                  <c:v>324.85714285714283</c:v>
                 </c:pt>
                 <c:pt idx="1">
-                  <c:v>324.42857142857144</c:v>
+                  <c:v>324.85714285714283</c:v>
                 </c:pt>
                 <c:pt idx="2">
-                  <c:v>324.42857142857144</c:v>
+                  <c:v>324.85714285714283</c:v>
                 </c:pt>
                 <c:pt idx="3">
-                  <c:v>324.42857142857144</c:v>
+                  <c:v>324.85714285714283</c:v>
                 </c:pt>
                 <c:pt idx="4">
-                  <c:v>324.42857142857144</c:v>
+                  <c:v>324.85714285714283</c:v>
                 </c:pt>
                 <c:pt idx="5">
-                  <c:v>324.42857142857144</c:v>
+                  <c:v>324.85714285714283</c:v>
                 </c:pt>
                 <c:pt idx="6">
-                  <c:v>324.42857142857144</c:v>
+                  <c:v>324.85714285714283</c:v>
                 </c:pt>
               </c:numCache>
             </c:numRef>
@@ -340,7 +340,7 @@
           <c:smooth val="0"/>
           <c:extLst>
             <c:ext xmlns:c16="http://schemas.microsoft.com/office/drawing/2014/chart" uri="{C3380CC4-5D6E-409C-BE32-E72D297353CC}">
-              <c16:uniqueId val="{00000001-5485-4599-8A41-7EEF5358079B}"/>
+              <c16:uniqueId val="{00000001-AB27-402A-82C3-39FA5AA10CBC}"/>
             </c:ext>
           </c:extLst>
         </c:ser>
@@ -389,11 +389,11 @@
                   <a:t>Categorias</a:t>
                 </a:r>
                 <a:r>
-                  <a:rPr lang="en-US" baseline="0" dirty="0"/>
+                  <a:rPr lang="en-US" dirty="0"/>
                   <a:t> </a:t>
                 </a:r>
                 <a:r>
-                  <a:rPr lang="en-US" baseline="0" dirty="0" err="1"/>
+                  <a:rPr lang="en-US" dirty="0" err="1"/>
                   <a:t>Atendidas</a:t>
                 </a:r>
                 <a:endParaRPr lang="en-US" dirty="0"/>
@@ -530,14 +530,6 @@
               </a:p>
             </c:rich>
           </c:tx>
-          <c:layout>
-            <c:manualLayout>
-              <c:xMode val="edge"/>
-              <c:yMode val="edge"/>
-              <c:x val="1.4831294030404152E-3"/>
-              <c:y val="0.36527651077571449"/>
-            </c:manualLayout>
-          </c:layout>
           <c:overlay val="0"/>
           <c:spPr>
             <a:noFill/>
@@ -1359,7 +1351,7 @@
           <a:p>
             <a:fld id="{857C8E90-7EDD-4CDC-BF79-D3D421C99482}" type="datetimeFigureOut">
               <a:rPr lang="en-US" smtClean="0"/>
-              <a:t>12/12/2022</a:t>
+              <a:t>12/13/2022</a:t>
             </a:fld>
             <a:endParaRPr lang="en-US"/>
           </a:p>
@@ -1529,7 +1521,7 @@
           <a:p>
             <a:fld id="{857C8E90-7EDD-4CDC-BF79-D3D421C99482}" type="datetimeFigureOut">
               <a:rPr lang="en-US" smtClean="0"/>
-              <a:t>12/12/2022</a:t>
+              <a:t>12/13/2022</a:t>
             </a:fld>
             <a:endParaRPr lang="en-US"/>
           </a:p>
@@ -1709,7 +1701,7 @@
           <a:p>
             <a:fld id="{857C8E90-7EDD-4CDC-BF79-D3D421C99482}" type="datetimeFigureOut">
               <a:rPr lang="en-US" smtClean="0"/>
-              <a:t>12/12/2022</a:t>
+              <a:t>12/13/2022</a:t>
             </a:fld>
             <a:endParaRPr lang="en-US"/>
           </a:p>
@@ -1879,7 +1871,7 @@
           <a:p>
             <a:fld id="{857C8E90-7EDD-4CDC-BF79-D3D421C99482}" type="datetimeFigureOut">
               <a:rPr lang="en-US" smtClean="0"/>
-              <a:t>12/12/2022</a:t>
+              <a:t>12/13/2022</a:t>
             </a:fld>
             <a:endParaRPr lang="en-US"/>
           </a:p>
@@ -2123,7 +2115,7 @@
           <a:p>
             <a:fld id="{857C8E90-7EDD-4CDC-BF79-D3D421C99482}" type="datetimeFigureOut">
               <a:rPr lang="en-US" smtClean="0"/>
-              <a:t>12/12/2022</a:t>
+              <a:t>12/13/2022</a:t>
             </a:fld>
             <a:endParaRPr lang="en-US"/>
           </a:p>
@@ -2355,7 +2347,7 @@
           <a:p>
             <a:fld id="{857C8E90-7EDD-4CDC-BF79-D3D421C99482}" type="datetimeFigureOut">
               <a:rPr lang="en-US" smtClean="0"/>
-              <a:t>12/12/2022</a:t>
+              <a:t>12/13/2022</a:t>
             </a:fld>
             <a:endParaRPr lang="en-US"/>
           </a:p>
@@ -2722,7 +2714,7 @@
           <a:p>
             <a:fld id="{857C8E90-7EDD-4CDC-BF79-D3D421C99482}" type="datetimeFigureOut">
               <a:rPr lang="en-US" smtClean="0"/>
-              <a:t>12/12/2022</a:t>
+              <a:t>12/13/2022</a:t>
             </a:fld>
             <a:endParaRPr lang="en-US"/>
           </a:p>
@@ -2840,7 +2832,7 @@
           <a:p>
             <a:fld id="{857C8E90-7EDD-4CDC-BF79-D3D421C99482}" type="datetimeFigureOut">
               <a:rPr lang="en-US" smtClean="0"/>
-              <a:t>12/12/2022</a:t>
+              <a:t>12/13/2022</a:t>
             </a:fld>
             <a:endParaRPr lang="en-US"/>
           </a:p>
@@ -2935,7 +2927,7 @@
           <a:p>
             <a:fld id="{857C8E90-7EDD-4CDC-BF79-D3D421C99482}" type="datetimeFigureOut">
               <a:rPr lang="en-US" smtClean="0"/>
-              <a:t>12/12/2022</a:t>
+              <a:t>12/13/2022</a:t>
             </a:fld>
             <a:endParaRPr lang="en-US"/>
           </a:p>
@@ -3212,7 +3204,7 @@
           <a:p>
             <a:fld id="{857C8E90-7EDD-4CDC-BF79-D3D421C99482}" type="datetimeFigureOut">
               <a:rPr lang="en-US" smtClean="0"/>
-              <a:t>12/12/2022</a:t>
+              <a:t>12/13/2022</a:t>
             </a:fld>
             <a:endParaRPr lang="en-US"/>
           </a:p>
@@ -3469,7 +3461,7 @@
           <a:p>
             <a:fld id="{857C8E90-7EDD-4CDC-BF79-D3D421C99482}" type="datetimeFigureOut">
               <a:rPr lang="en-US" smtClean="0"/>
-              <a:t>12/12/2022</a:t>
+              <a:t>12/13/2022</a:t>
             </a:fld>
             <a:endParaRPr lang="en-US"/>
           </a:p>
@@ -3682,7 +3674,7 @@
           <a:p>
             <a:fld id="{857C8E90-7EDD-4CDC-BF79-D3D421C99482}" type="datetimeFigureOut">
               <a:rPr lang="en-US" smtClean="0"/>
-              <a:t>12/12/2022</a:t>
+              <a:t>12/13/2022</a:t>
             </a:fld>
             <a:endParaRPr lang="en-US"/>
           </a:p>
@@ -4089,7 +4081,7 @@
       </p:grpSpPr>
       <p:graphicFrame>
         <p:nvGraphicFramePr>
-          <p:cNvPr id="3" name="Chart 2">
+          <p:cNvPr id="4" name="Chart 3">
             <a:extLst>
               <a:ext uri="{FF2B5EF4-FFF2-40B4-BE49-F238E27FC236}">
                 <a16:creationId xmlns:a16="http://schemas.microsoft.com/office/drawing/2014/main" id="{E2768674-80C8-4959-B164-45938DAA579F}"/>
@@ -4102,14 +4094,14 @@
           <p:nvPr>
             <p:extLst>
               <p:ext uri="{D42A27DB-BD31-4B8C-83A1-F6EECF244321}">
-                <p14:modId xmlns:p14="http://schemas.microsoft.com/office/powerpoint/2010/main" val="3490827704"/>
+                <p14:modId xmlns:p14="http://schemas.microsoft.com/office/powerpoint/2010/main" val="194726158"/>
               </p:ext>
             </p:extLst>
           </p:nvPr>
         </p:nvGraphicFramePr>
         <p:xfrm>
-          <a:off x="581025" y="361949"/>
-          <a:ext cx="8562975" cy="5885503"/>
+          <a:off x="531812" y="312737"/>
+          <a:ext cx="8080375" cy="5775325"/>
         </p:xfrm>
         <a:graphic>
           <a:graphicData uri="http://schemas.openxmlformats.org/drawingml/2006/chart">
